--- a/sketches.pptx
+++ b/sketches.pptx
@@ -4534,7 +4534,7 @@
         </p:nvSpPr>
         <p:spPr>
           <a:xfrm>
-            <a:off x="6227520" y="842141"/>
+            <a:off x="6227520" y="1400080"/>
             <a:ext cx="2216257" cy="369332"/>
           </a:xfrm>
           <a:prstGeom prst="rect">
@@ -4573,7 +4573,7 @@
         </p:nvSpPr>
         <p:spPr>
           <a:xfrm>
-            <a:off x="342147" y="842141"/>
+            <a:off x="342147" y="1400080"/>
             <a:ext cx="4618063" cy="369332"/>
           </a:xfrm>
           <a:prstGeom prst="rect">
@@ -4612,7 +4612,7 @@
         </p:nvSpPr>
         <p:spPr>
           <a:xfrm>
-            <a:off x="6230319" y="1218660"/>
+            <a:off x="6230319" y="1776599"/>
             <a:ext cx="5191932" cy="3187700"/>
           </a:xfrm>
           <a:prstGeom prst="rect">
@@ -4658,7 +4658,7 @@
         </p:nvSpPr>
         <p:spPr>
           <a:xfrm>
-            <a:off x="341394" y="1218660"/>
+            <a:off x="341394" y="1776599"/>
             <a:ext cx="5754606" cy="3187700"/>
           </a:xfrm>
           <a:prstGeom prst="rect">
@@ -4709,7 +4709,7 @@
         </p:nvSpPr>
         <p:spPr>
           <a:xfrm>
-            <a:off x="6329120" y="1381349"/>
+            <a:off x="6329120" y="1939288"/>
             <a:ext cx="5191932" cy="2862322"/>
           </a:xfrm>
           <a:prstGeom prst="rect">
@@ -4921,7 +4921,7 @@
         </p:blipFill>
         <p:spPr>
           <a:xfrm>
-            <a:off x="815187" y="1486630"/>
+            <a:off x="815187" y="2044569"/>
             <a:ext cx="4807020" cy="2651760"/>
           </a:xfrm>
           <a:prstGeom prst="rect">
@@ -5536,7 +5536,7 @@
               <a:t> …. </a:t>
             </a:r>
             <a:r>
-              <a:rPr lang="en-US" dirty="0" err="1">
+              <a:rPr lang="en-US" i="1" dirty="0" err="1">
                 <a:solidFill>
                   <a:schemeClr val="bg1"/>
                 </a:solidFill>
